--- a/.cpp/下学期实验/exp4/第四次实验分享.pptx
+++ b/.cpp/下学期实验/exp4/第四次实验分享.pptx
@@ -5,7 +5,7 @@
     <p:sldMasterId id="2147483711" r:id="rId1"/>
   </p:sldMasterIdLst>
   <p:notesMasterIdLst>
-    <p:notesMasterId r:id="rId16"/>
+    <p:notesMasterId r:id="rId19"/>
   </p:notesMasterIdLst>
   <p:sldIdLst>
     <p:sldId id="256" r:id="rId2"/>
@@ -21,7 +21,10 @@
     <p:sldId id="266" r:id="rId12"/>
     <p:sldId id="267" r:id="rId13"/>
     <p:sldId id="268" r:id="rId14"/>
-    <p:sldId id="269" r:id="rId15"/>
+    <p:sldId id="270" r:id="rId15"/>
+    <p:sldId id="269" r:id="rId16"/>
+    <p:sldId id="271" r:id="rId17"/>
+    <p:sldId id="272" r:id="rId18"/>
   </p:sldIdLst>
   <p:sldSz cx="12192000" cy="6858000"/>
   <p:notesSz cx="6858000" cy="9144000"/>
@@ -142,10 +145,16 @@
         </p14:section>
         <p14:section name="附加" id="{464982AF-F894-4D10-B38B-8DEAA9839328}">
           <p14:sldIdLst>
+            <p14:sldId id="270"/>
             <p14:sldId id="269"/>
+            <p14:sldId id="271"/>
+            <p14:sldId id="272"/>
           </p14:sldIdLst>
         </p14:section>
       </p14:sectionLst>
+    </p:ext>
+    <p:ext uri="{EFAFB233-063F-42B5-8137-9DF3F51BA10A}">
+      <p15:sldGuideLst xmlns:p15="http://schemas.microsoft.com/office/powerpoint/2012/main"/>
     </p:ext>
   </p:extLst>
 </p:presentation>
@@ -5822,7 +5831,7 @@
           <a:p>
             <a:r>
               <a:rPr lang="zh-CN" altLang="en-US" sz="8000" dirty="0"/>
-              <a:t>模板与接口化实现</a:t>
+              <a:t>模板与接口化</a:t>
             </a:r>
           </a:p>
         </p:txBody>
@@ -5998,8 +6007,8 @@
         </p:nvSpPr>
         <p:spPr>
           <a:xfrm>
-            <a:off x="805101" y="1632456"/>
-            <a:ext cx="4336574" cy="3191986"/>
+            <a:off x="614838" y="1632456"/>
+            <a:ext cx="4336574" cy="2608565"/>
           </a:xfrm>
         </p:spPr>
         <p:txBody>
@@ -6049,7 +6058,7 @@
         <p:spPr>
           <a:xfrm>
             <a:off x="6122550" y="1632456"/>
-            <a:ext cx="5385238" cy="5355312"/>
+            <a:ext cx="6129288" cy="5632311"/>
           </a:xfrm>
           <a:prstGeom prst="rect">
             <a:avLst/>
@@ -6168,6 +6177,59 @@
               </a:rPr>
               <a:t>();</a:t>
             </a:r>
+          </a:p>
+          <a:p>
+            <a:r>
+              <a:rPr lang="en-US" altLang="zh-CN" dirty="0">
+                <a:solidFill>
+                  <a:srgbClr val="FFFF00"/>
+                </a:solidFill>
+                <a:latin typeface="Consolas" panose="020B0609020204030204" pitchFamily="49" charset="0"/>
+              </a:rPr>
+              <a:t>	</a:t>
+            </a:r>
+            <a:r>
+              <a:rPr lang="en-US" altLang="zh-CN" i="1" dirty="0">
+                <a:solidFill>
+                  <a:srgbClr val="92D050"/>
+                </a:solidFill>
+                <a:latin typeface="Consolas" panose="020B0609020204030204" pitchFamily="49" charset="0"/>
+              </a:rPr>
+              <a:t>//</a:t>
+            </a:r>
+            <a:r>
+              <a:rPr lang="zh-CN" altLang="en-US" i="1" dirty="0">
+                <a:solidFill>
+                  <a:srgbClr val="92D050"/>
+                </a:solidFill>
+                <a:latin typeface="Consolas" panose="020B0609020204030204" pitchFamily="49" charset="0"/>
+              </a:rPr>
+              <a:t>注意，这种写法只能在链表实现的</a:t>
+            </a:r>
+            <a:r>
+              <a:rPr lang="en-US" altLang="zh-CN" i="1" dirty="0">
+                <a:solidFill>
+                  <a:srgbClr val="92D050"/>
+                </a:solidFill>
+                <a:latin typeface="Consolas" panose="020B0609020204030204" pitchFamily="49" charset="0"/>
+              </a:rPr>
+              <a:t>stack</a:t>
+            </a:r>
+            <a:r>
+              <a:rPr lang="zh-CN" altLang="en-US" i="1" dirty="0">
+                <a:solidFill>
+                  <a:srgbClr val="92D050"/>
+                </a:solidFill>
+                <a:latin typeface="Consolas" panose="020B0609020204030204" pitchFamily="49" charset="0"/>
+              </a:rPr>
+              <a:t>中才有效。</a:t>
+            </a:r>
+            <a:endParaRPr lang="en-US" altLang="zh-CN" i="1" dirty="0">
+              <a:solidFill>
+                <a:srgbClr val="92D050"/>
+              </a:solidFill>
+              <a:latin typeface="Consolas" panose="020B0609020204030204" pitchFamily="49" charset="0"/>
+            </a:endParaRPr>
           </a:p>
           <a:p>
             <a:r>
@@ -6478,6 +6540,47 @@
           </a:p>
         </p:txBody>
       </p:sp>
+      <p:sp>
+        <p:nvSpPr>
+          <p:cNvPr id="6" name="文本框 5">
+            <a:hlinkClick r:id="rId3" action="ppaction://hlinksldjump"/>
+            <a:extLst>
+              <a:ext uri="{FF2B5EF4-FFF2-40B4-BE49-F238E27FC236}">
+                <a16:creationId xmlns:a16="http://schemas.microsoft.com/office/drawing/2014/main" id="{A1D29D77-9B0F-4AE4-A80C-0AEF055D7151}"/>
+              </a:ext>
+            </a:extLst>
+          </p:cNvPr>
+          <p:cNvSpPr txBox="1"/>
+          <p:nvPr/>
+        </p:nvSpPr>
+        <p:spPr>
+          <a:xfrm>
+            <a:off x="684212" y="6080734"/>
+            <a:ext cx="1151277" cy="246221"/>
+          </a:xfrm>
+          <a:prstGeom prst="rect">
+            <a:avLst/>
+          </a:prstGeom>
+          <a:noFill/>
+        </p:spPr>
+        <p:txBody>
+          <a:bodyPr wrap="none" rtlCol="0">
+            <a:spAutoFit/>
+          </a:bodyPr>
+          <a:lstStyle/>
+          <a:p>
+            <a:r>
+              <a:rPr lang="zh-CN" altLang="en-US" sz="1000" dirty="0"/>
+              <a:t>🔗</a:t>
+            </a:r>
+            <a:r>
+              <a:rPr lang="en-US" altLang="zh-CN" sz="1000" dirty="0"/>
+              <a:t>source code</a:t>
+            </a:r>
+            <a:endParaRPr lang="zh-CN" altLang="en-US" sz="1000" dirty="0"/>
+          </a:p>
+        </p:txBody>
+      </p:sp>
     </p:spTree>
     <p:extLst>
       <p:ext uri="{BB962C8B-B14F-4D97-AF65-F5344CB8AC3E}">
@@ -6488,13 +6591,13 @@
   <p:clrMapOvr>
     <a:masterClrMapping/>
   </p:clrMapOvr>
-  <mc:AlternateContent xmlns:mc="http://schemas.openxmlformats.org/markup-compatibility/2006">
-    <mc:Choice xmlns:p14="http://schemas.microsoft.com/office/powerpoint/2010/main" Requires="p14">
+  <mc:AlternateContent xmlns:mc="http://schemas.openxmlformats.org/markup-compatibility/2006" xmlns:p14="http://schemas.microsoft.com/office/powerpoint/2010/main">
+    <mc:Choice Requires="p14">
       <p:transition spd="slow" p14:dur="900">
         <p14:warp/>
       </p:transition>
     </mc:Choice>
-    <mc:Fallback>
+    <mc:Fallback xmlns="">
       <p:transition spd="slow">
         <p:fade/>
       </p:transition>
@@ -6634,7 +6737,7 @@
           <a:p>
             <a:r>
               <a:rPr lang="zh-CN" altLang="en-US" dirty="0"/>
-              <a:t>第二部分：接口化实现</a:t>
+              <a:t>第二部分：接口化</a:t>
             </a:r>
           </a:p>
         </p:txBody>
@@ -7020,13 +7123,13 @@
   <p:clrMapOvr>
     <a:masterClrMapping/>
   </p:clrMapOvr>
-  <mc:AlternateContent xmlns:mc="http://schemas.openxmlformats.org/markup-compatibility/2006">
-    <mc:Choice xmlns:p14="http://schemas.microsoft.com/office/powerpoint/2010/main" Requires="p14">
+  <mc:AlternateContent xmlns:mc="http://schemas.openxmlformats.org/markup-compatibility/2006" xmlns:p14="http://schemas.microsoft.com/office/powerpoint/2010/main">
+    <mc:Choice Requires="p14">
       <p:transition spd="slow" p14:dur="900">
         <p14:warp/>
       </p:transition>
     </mc:Choice>
-    <mc:Fallback>
+    <mc:Fallback xmlns="">
       <p:transition spd="slow">
         <p:fade/>
       </p:transition>
@@ -7944,6 +8047,302 @@
           <a:chExt cx="0" cy="0"/>
         </a:xfrm>
       </p:grpSpPr>
+      <p:sp>
+        <p:nvSpPr>
+          <p:cNvPr id="4" name="文本框 3">
+            <a:hlinkClick r:id="rId2" action="ppaction://hlinksldjump"/>
+            <a:extLst>
+              <a:ext uri="{FF2B5EF4-FFF2-40B4-BE49-F238E27FC236}">
+                <a16:creationId xmlns:a16="http://schemas.microsoft.com/office/drawing/2014/main" id="{2670F49B-7358-4753-A330-599D01423C13}"/>
+              </a:ext>
+            </a:extLst>
+          </p:cNvPr>
+          <p:cNvSpPr txBox="1"/>
+          <p:nvPr/>
+        </p:nvSpPr>
+        <p:spPr>
+          <a:xfrm>
+            <a:off x="441052" y="6067438"/>
+            <a:ext cx="829073" cy="246221"/>
+          </a:xfrm>
+          <a:prstGeom prst="rect">
+            <a:avLst/>
+          </a:prstGeom>
+          <a:noFill/>
+        </p:spPr>
+        <p:txBody>
+          <a:bodyPr wrap="none" rtlCol="0">
+            <a:spAutoFit/>
+          </a:bodyPr>
+          <a:lstStyle/>
+          <a:p>
+            <a:r>
+              <a:rPr lang="zh-CN" altLang="en-US" sz="1000" dirty="0"/>
+              <a:t>💡返回上级</a:t>
+            </a:r>
+          </a:p>
+        </p:txBody>
+      </p:sp>
+      <p:sp>
+        <p:nvSpPr>
+          <p:cNvPr id="7" name="文本框 6">
+            <a:extLst>
+              <a:ext uri="{FF2B5EF4-FFF2-40B4-BE49-F238E27FC236}">
+                <a16:creationId xmlns:a16="http://schemas.microsoft.com/office/drawing/2014/main" id="{F56E31E0-0AAF-424C-8D7A-15F6EA151AC3}"/>
+              </a:ext>
+            </a:extLst>
+          </p:cNvPr>
+          <p:cNvSpPr txBox="1"/>
+          <p:nvPr/>
+        </p:nvSpPr>
+        <p:spPr>
+          <a:xfrm>
+            <a:off x="594641" y="175009"/>
+            <a:ext cx="3309791" cy="369332"/>
+          </a:xfrm>
+          <a:prstGeom prst="rect">
+            <a:avLst/>
+          </a:prstGeom>
+          <a:noFill/>
+        </p:spPr>
+        <p:txBody>
+          <a:bodyPr wrap="square" rtlCol="0">
+            <a:spAutoFit/>
+          </a:bodyPr>
+          <a:lstStyle/>
+          <a:p>
+            <a:r>
+              <a:rPr lang="zh-CN" altLang="en-US" dirty="0"/>
+              <a:t>动态数组实现</a:t>
+            </a:r>
+            <a:r>
+              <a:rPr lang="en-US" altLang="zh-CN" dirty="0"/>
+              <a:t>stack</a:t>
+            </a:r>
+            <a:r>
+              <a:rPr lang="zh-CN" altLang="en-US" dirty="0"/>
+              <a:t>的代码</a:t>
+            </a:r>
+          </a:p>
+        </p:txBody>
+      </p:sp>
+      <p:pic>
+        <p:nvPicPr>
+          <p:cNvPr id="9" name="图片 8">
+            <a:extLst>
+              <a:ext uri="{FF2B5EF4-FFF2-40B4-BE49-F238E27FC236}">
+                <a16:creationId xmlns:a16="http://schemas.microsoft.com/office/drawing/2014/main" id="{939D624B-F7A2-4D4E-BE77-9E303A66682B}"/>
+              </a:ext>
+            </a:extLst>
+          </p:cNvPr>
+          <p:cNvPicPr>
+            <a:picLocks noChangeAspect="1"/>
+          </p:cNvPicPr>
+          <p:nvPr/>
+        </p:nvPicPr>
+        <p:blipFill>
+          <a:blip r:embed="rId3"/>
+          <a:stretch>
+            <a:fillRect/>
+          </a:stretch>
+        </p:blipFill>
+        <p:spPr>
+          <a:xfrm>
+            <a:off x="676074" y="699221"/>
+            <a:ext cx="5917737" cy="3895219"/>
+          </a:xfrm>
+          <a:prstGeom prst="rect">
+            <a:avLst/>
+          </a:prstGeom>
+        </p:spPr>
+      </p:pic>
+      <p:pic>
+        <p:nvPicPr>
+          <p:cNvPr id="10" name="图片 9">
+            <a:extLst>
+              <a:ext uri="{FF2B5EF4-FFF2-40B4-BE49-F238E27FC236}">
+                <a16:creationId xmlns:a16="http://schemas.microsoft.com/office/drawing/2014/main" id="{0B0AC966-FBFA-4FCF-AA39-C5FB609AEE3F}"/>
+              </a:ext>
+            </a:extLst>
+          </p:cNvPr>
+          <p:cNvPicPr>
+            <a:picLocks noChangeAspect="1"/>
+          </p:cNvPicPr>
+          <p:nvPr/>
+        </p:nvPicPr>
+        <p:blipFill>
+          <a:blip r:embed="rId4"/>
+          <a:stretch>
+            <a:fillRect/>
+          </a:stretch>
+        </p:blipFill>
+        <p:spPr>
+          <a:xfrm>
+            <a:off x="6710435" y="222385"/>
+            <a:ext cx="4647608" cy="3480093"/>
+          </a:xfrm>
+          <a:prstGeom prst="rect">
+            <a:avLst/>
+          </a:prstGeom>
+        </p:spPr>
+      </p:pic>
+      <p:pic>
+        <p:nvPicPr>
+          <p:cNvPr id="11" name="图片 10">
+            <a:extLst>
+              <a:ext uri="{FF2B5EF4-FFF2-40B4-BE49-F238E27FC236}">
+                <a16:creationId xmlns:a16="http://schemas.microsoft.com/office/drawing/2014/main" id="{8C7F9352-5CCA-4FBF-A340-AB704DDF5795}"/>
+              </a:ext>
+            </a:extLst>
+          </p:cNvPr>
+          <p:cNvPicPr>
+            <a:picLocks noChangeAspect="1"/>
+          </p:cNvPicPr>
+          <p:nvPr/>
+        </p:nvPicPr>
+        <p:blipFill>
+          <a:blip r:embed="rId5"/>
+          <a:stretch>
+            <a:fillRect/>
+          </a:stretch>
+        </p:blipFill>
+        <p:spPr>
+          <a:xfrm>
+            <a:off x="6710435" y="3827290"/>
+            <a:ext cx="3745248" cy="2240148"/>
+          </a:xfrm>
+          <a:prstGeom prst="rect">
+            <a:avLst/>
+          </a:prstGeom>
+        </p:spPr>
+      </p:pic>
+      <p:sp>
+        <p:nvSpPr>
+          <p:cNvPr id="12" name="矩形 11">
+            <a:extLst>
+              <a:ext uri="{FF2B5EF4-FFF2-40B4-BE49-F238E27FC236}">
+                <a16:creationId xmlns:a16="http://schemas.microsoft.com/office/drawing/2014/main" id="{D5391ECD-D7DE-43B9-98DA-719F60DA5B16}"/>
+              </a:ext>
+            </a:extLst>
+          </p:cNvPr>
+          <p:cNvSpPr/>
+          <p:nvPr/>
+        </p:nvSpPr>
+        <p:spPr>
+          <a:xfrm>
+            <a:off x="1222939" y="3999800"/>
+            <a:ext cx="1380015" cy="241222"/>
+          </a:xfrm>
+          <a:prstGeom prst="rect">
+            <a:avLst/>
+          </a:prstGeom>
+          <a:noFill/>
+          <a:ln>
+            <a:solidFill>
+              <a:srgbClr val="FFC000"/>
+            </a:solidFill>
+          </a:ln>
+        </p:spPr>
+        <p:style>
+          <a:lnRef idx="2">
+            <a:schemeClr val="accent6"/>
+          </a:lnRef>
+          <a:fillRef idx="1">
+            <a:schemeClr val="lt1"/>
+          </a:fillRef>
+          <a:effectRef idx="0">
+            <a:schemeClr val="accent6"/>
+          </a:effectRef>
+          <a:fontRef idx="minor">
+            <a:schemeClr val="dk1"/>
+          </a:fontRef>
+        </p:style>
+        <p:txBody>
+          <a:bodyPr rtlCol="0" anchor="ctr"/>
+          <a:lstStyle/>
+          <a:p>
+            <a:pPr algn="ctr"/>
+            <a:endParaRPr lang="zh-CN" altLang="en-US"/>
+          </a:p>
+        </p:txBody>
+      </p:sp>
+      <p:sp>
+        <p:nvSpPr>
+          <p:cNvPr id="13" name="文本框 12">
+            <a:extLst>
+              <a:ext uri="{FF2B5EF4-FFF2-40B4-BE49-F238E27FC236}">
+                <a16:creationId xmlns:a16="http://schemas.microsoft.com/office/drawing/2014/main" id="{49BCE600-922E-4605-BA23-39435E0CE294}"/>
+              </a:ext>
+            </a:extLst>
+          </p:cNvPr>
+          <p:cNvSpPr txBox="1"/>
+          <p:nvPr/>
+        </p:nvSpPr>
+        <p:spPr>
+          <a:xfrm>
+            <a:off x="2719578" y="3756774"/>
+            <a:ext cx="2296947" cy="646331"/>
+          </a:xfrm>
+          <a:prstGeom prst="rect">
+            <a:avLst/>
+          </a:prstGeom>
+          <a:noFill/>
+        </p:spPr>
+        <p:txBody>
+          <a:bodyPr wrap="square" rtlCol="0">
+            <a:spAutoFit/>
+          </a:bodyPr>
+          <a:lstStyle/>
+          <a:p>
+            <a:r>
+              <a:rPr lang="zh-CN" altLang="en-US" dirty="0"/>
+              <a:t>注意没有引用数组这个概念</a:t>
+            </a:r>
+          </a:p>
+        </p:txBody>
+      </p:sp>
+    </p:spTree>
+    <p:extLst>
+      <p:ext uri="{BB962C8B-B14F-4D97-AF65-F5344CB8AC3E}">
+        <p14:creationId xmlns:p14="http://schemas.microsoft.com/office/powerpoint/2010/main" val="1927733746"/>
+      </p:ext>
+    </p:extLst>
+  </p:cSld>
+  <p:clrMapOvr>
+    <a:masterClrMapping/>
+  </p:clrMapOvr>
+  <mc:AlternateContent xmlns:mc="http://schemas.openxmlformats.org/markup-compatibility/2006">
+    <mc:Choice xmlns:p14="http://schemas.microsoft.com/office/powerpoint/2010/main" Requires="p14">
+      <p:transition spd="slow" p14:dur="900" advClick="0">
+        <p14:warp dir="in"/>
+      </p:transition>
+    </mc:Choice>
+    <mc:Fallback>
+      <p:transition spd="slow" advClick="0">
+        <p:fade/>
+      </p:transition>
+    </mc:Fallback>
+  </mc:AlternateContent>
+</p:sld>
+</file>
+
+<file path=ppt/slides/slide15.xml><?xml version="1.0" encoding="utf-8"?>
+<p:sld xmlns:a="http://schemas.openxmlformats.org/drawingml/2006/main" xmlns:r="http://schemas.openxmlformats.org/officeDocument/2006/relationships" xmlns:p="http://schemas.openxmlformats.org/presentationml/2006/main" show="0">
+  <p:cSld>
+    <p:spTree>
+      <p:nvGrpSpPr>
+        <p:cNvPr id="1" name=""/>
+        <p:cNvGrpSpPr/>
+        <p:nvPr/>
+      </p:nvGrpSpPr>
+      <p:grpSpPr>
+        <a:xfrm>
+          <a:off x="0" y="0"/>
+          <a:ext cx="0" cy="0"/>
+          <a:chOff x="0" y="0"/>
+          <a:chExt cx="0" cy="0"/>
+        </a:xfrm>
+      </p:grpSpPr>
       <p:pic>
         <p:nvPicPr>
           <p:cNvPr id="5" name="内容占位符 4">
@@ -8050,7 +8449,7 @@
         </p:nvSpPr>
         <p:spPr>
           <a:xfrm>
-            <a:off x="747756" y="42802"/>
+            <a:off x="641170" y="143276"/>
             <a:ext cx="2852063" cy="369332"/>
           </a:xfrm>
           <a:prstGeom prst="rect">
@@ -8125,18 +8524,279 @@
   <p:clrMapOvr>
     <a:masterClrMapping/>
   </p:clrMapOvr>
-  <mc:AlternateContent xmlns:mc="http://schemas.openxmlformats.org/markup-compatibility/2006">
-    <mc:Choice xmlns:p14="http://schemas.microsoft.com/office/powerpoint/2010/main" Requires="p14">
+  <mc:AlternateContent xmlns:mc="http://schemas.openxmlformats.org/markup-compatibility/2006" xmlns:p14="http://schemas.microsoft.com/office/powerpoint/2010/main">
+    <mc:Choice Requires="p14">
       <p:transition spd="slow" p14:dur="900" advClick="0">
         <p14:warp dir="in"/>
       </p:transition>
     </mc:Choice>
-    <mc:Fallback>
+    <mc:Fallback xmlns="">
       <p:transition spd="slow" advClick="0">
         <p:fade/>
       </p:transition>
     </mc:Fallback>
   </mc:AlternateContent>
+</p:sld>
+</file>
+
+<file path=ppt/slides/slide16.xml><?xml version="1.0" encoding="utf-8"?>
+<p:sld xmlns:a="http://schemas.openxmlformats.org/drawingml/2006/main" xmlns:r="http://schemas.openxmlformats.org/officeDocument/2006/relationships" xmlns:p="http://schemas.openxmlformats.org/presentationml/2006/main" show="0">
+  <p:cSld>
+    <p:spTree>
+      <p:nvGrpSpPr>
+        <p:cNvPr id="1" name=""/>
+        <p:cNvGrpSpPr/>
+        <p:nvPr/>
+      </p:nvGrpSpPr>
+      <p:grpSpPr>
+        <a:xfrm>
+          <a:off x="0" y="0"/>
+          <a:ext cx="0" cy="0"/>
+          <a:chOff x="0" y="0"/>
+          <a:chExt cx="0" cy="0"/>
+        </a:xfrm>
+      </p:grpSpPr>
+      <p:pic>
+        <p:nvPicPr>
+          <p:cNvPr id="4" name="图片 3">
+            <a:extLst>
+              <a:ext uri="{FF2B5EF4-FFF2-40B4-BE49-F238E27FC236}">
+                <a16:creationId xmlns:a16="http://schemas.microsoft.com/office/drawing/2014/main" id="{4747A88F-0C41-4E2A-AB8D-F82842E1BEA4}"/>
+              </a:ext>
+            </a:extLst>
+          </p:cNvPr>
+          <p:cNvPicPr>
+            <a:picLocks noChangeAspect="1"/>
+          </p:cNvPicPr>
+          <p:nvPr/>
+        </p:nvPicPr>
+        <p:blipFill>
+          <a:blip r:embed="rId2"/>
+          <a:stretch>
+            <a:fillRect/>
+          </a:stretch>
+        </p:blipFill>
+        <p:spPr>
+          <a:xfrm>
+            <a:off x="572948" y="439997"/>
+            <a:ext cx="5034864" cy="3548583"/>
+          </a:xfrm>
+          <a:prstGeom prst="rect">
+            <a:avLst/>
+          </a:prstGeom>
+        </p:spPr>
+      </p:pic>
+      <p:pic>
+        <p:nvPicPr>
+          <p:cNvPr id="5" name="图片 4">
+            <a:extLst>
+              <a:ext uri="{FF2B5EF4-FFF2-40B4-BE49-F238E27FC236}">
+                <a16:creationId xmlns:a16="http://schemas.microsoft.com/office/drawing/2014/main" id="{94EDE429-4BF3-4421-BDEB-380139F2B866}"/>
+              </a:ext>
+            </a:extLst>
+          </p:cNvPr>
+          <p:cNvPicPr>
+            <a:picLocks noChangeAspect="1"/>
+          </p:cNvPicPr>
+          <p:nvPr/>
+        </p:nvPicPr>
+        <p:blipFill>
+          <a:blip r:embed="rId3"/>
+          <a:stretch>
+            <a:fillRect/>
+          </a:stretch>
+        </p:blipFill>
+        <p:spPr>
+          <a:xfrm>
+            <a:off x="3090380" y="4560781"/>
+            <a:ext cx="5525144" cy="1531597"/>
+          </a:xfrm>
+          <a:prstGeom prst="rect">
+            <a:avLst/>
+          </a:prstGeom>
+        </p:spPr>
+      </p:pic>
+    </p:spTree>
+    <p:extLst>
+      <p:ext uri="{BB962C8B-B14F-4D97-AF65-F5344CB8AC3E}">
+        <p14:creationId xmlns:p14="http://schemas.microsoft.com/office/powerpoint/2010/main" val="494224733"/>
+      </p:ext>
+    </p:extLst>
+  </p:cSld>
+  <p:clrMapOvr>
+    <a:masterClrMapping/>
+  </p:clrMapOvr>
+  <mc:AlternateContent xmlns:mc="http://schemas.openxmlformats.org/markup-compatibility/2006">
+    <mc:Choice xmlns:p14="http://schemas.microsoft.com/office/powerpoint/2010/main" Requires="p14">
+      <p:transition spd="slow" p14:dur="900">
+        <p14:warp dir="in"/>
+      </p:transition>
+    </mc:Choice>
+    <mc:Fallback>
+      <p:transition spd="slow">
+        <p:fade/>
+      </p:transition>
+    </mc:Fallback>
+  </mc:AlternateContent>
+</p:sld>
+</file>
+
+<file path=ppt/slides/slide17.xml><?xml version="1.0" encoding="utf-8"?>
+<p:sld xmlns:a="http://schemas.openxmlformats.org/drawingml/2006/main" xmlns:r="http://schemas.openxmlformats.org/officeDocument/2006/relationships" xmlns:p="http://schemas.openxmlformats.org/presentationml/2006/main" show="0">
+  <p:cSld>
+    <p:spTree>
+      <p:nvGrpSpPr>
+        <p:cNvPr id="1" name=""/>
+        <p:cNvGrpSpPr/>
+        <p:nvPr/>
+      </p:nvGrpSpPr>
+      <p:grpSpPr>
+        <a:xfrm>
+          <a:off x="0" y="0"/>
+          <a:ext cx="0" cy="0"/>
+          <a:chOff x="0" y="0"/>
+          <a:chExt cx="0" cy="0"/>
+        </a:xfrm>
+      </p:grpSpPr>
+      <p:sp>
+        <p:nvSpPr>
+          <p:cNvPr id="4" name="文本框 3">
+            <a:hlinkClick r:id="rId2" action="ppaction://hlinksldjump"/>
+            <a:extLst>
+              <a:ext uri="{FF2B5EF4-FFF2-40B4-BE49-F238E27FC236}">
+                <a16:creationId xmlns:a16="http://schemas.microsoft.com/office/drawing/2014/main" id="{68D4CCD4-8C94-43B4-8599-E6F337164A8E}"/>
+              </a:ext>
+            </a:extLst>
+          </p:cNvPr>
+          <p:cNvSpPr txBox="1"/>
+          <p:nvPr/>
+        </p:nvSpPr>
+        <p:spPr>
+          <a:xfrm>
+            <a:off x="441052" y="6067438"/>
+            <a:ext cx="829073" cy="246221"/>
+          </a:xfrm>
+          <a:prstGeom prst="rect">
+            <a:avLst/>
+          </a:prstGeom>
+          <a:noFill/>
+        </p:spPr>
+        <p:txBody>
+          <a:bodyPr wrap="none" rtlCol="0">
+            <a:spAutoFit/>
+          </a:bodyPr>
+          <a:lstStyle/>
+          <a:p>
+            <a:r>
+              <a:rPr lang="zh-CN" altLang="en-US" sz="1000" dirty="0"/>
+              <a:t>💡返回上级</a:t>
+            </a:r>
+          </a:p>
+        </p:txBody>
+      </p:sp>
+      <p:pic>
+        <p:nvPicPr>
+          <p:cNvPr id="5" name="图片 4">
+            <a:extLst>
+              <a:ext uri="{FF2B5EF4-FFF2-40B4-BE49-F238E27FC236}">
+                <a16:creationId xmlns:a16="http://schemas.microsoft.com/office/drawing/2014/main" id="{D04611EC-4916-4E70-8C45-5D6F4569C24C}"/>
+              </a:ext>
+            </a:extLst>
+          </p:cNvPr>
+          <p:cNvPicPr>
+            <a:picLocks noChangeAspect="1"/>
+          </p:cNvPicPr>
+          <p:nvPr/>
+        </p:nvPicPr>
+        <p:blipFill>
+          <a:blip r:embed="rId3"/>
+          <a:stretch>
+            <a:fillRect/>
+          </a:stretch>
+        </p:blipFill>
+        <p:spPr>
+          <a:xfrm>
+            <a:off x="630946" y="285856"/>
+            <a:ext cx="4064470" cy="3507531"/>
+          </a:xfrm>
+          <a:prstGeom prst="rect">
+            <a:avLst/>
+          </a:prstGeom>
+        </p:spPr>
+      </p:pic>
+      <p:pic>
+        <p:nvPicPr>
+          <p:cNvPr id="6" name="图片 5">
+            <a:extLst>
+              <a:ext uri="{FF2B5EF4-FFF2-40B4-BE49-F238E27FC236}">
+                <a16:creationId xmlns:a16="http://schemas.microsoft.com/office/drawing/2014/main" id="{93B83DEA-618F-4DB4-A475-64003F2217DD}"/>
+              </a:ext>
+            </a:extLst>
+          </p:cNvPr>
+          <p:cNvPicPr>
+            <a:picLocks noChangeAspect="1"/>
+          </p:cNvPicPr>
+          <p:nvPr/>
+        </p:nvPicPr>
+        <p:blipFill>
+          <a:blip r:embed="rId4"/>
+          <a:stretch>
+            <a:fillRect/>
+          </a:stretch>
+        </p:blipFill>
+        <p:spPr>
+          <a:xfrm>
+            <a:off x="1991484" y="3888969"/>
+            <a:ext cx="8023777" cy="2867865"/>
+          </a:xfrm>
+          <a:prstGeom prst="rect">
+            <a:avLst/>
+          </a:prstGeom>
+        </p:spPr>
+      </p:pic>
+      <p:pic>
+        <p:nvPicPr>
+          <p:cNvPr id="7" name="图片 6">
+            <a:extLst>
+              <a:ext uri="{FF2B5EF4-FFF2-40B4-BE49-F238E27FC236}">
+                <a16:creationId xmlns:a16="http://schemas.microsoft.com/office/drawing/2014/main" id="{B8C9FCFF-07DF-4D71-BE1C-7F237A602919}"/>
+              </a:ext>
+            </a:extLst>
+          </p:cNvPr>
+          <p:cNvPicPr>
+            <a:picLocks noChangeAspect="1"/>
+          </p:cNvPicPr>
+          <p:nvPr/>
+        </p:nvPicPr>
+        <p:blipFill>
+          <a:blip r:embed="rId5"/>
+          <a:stretch>
+            <a:fillRect/>
+          </a:stretch>
+        </p:blipFill>
+        <p:spPr>
+          <a:xfrm>
+            <a:off x="5654693" y="272054"/>
+            <a:ext cx="4128825" cy="3502862"/>
+          </a:xfrm>
+          <a:prstGeom prst="rect">
+            <a:avLst/>
+          </a:prstGeom>
+        </p:spPr>
+      </p:pic>
+    </p:spTree>
+    <p:extLst>
+      <p:ext uri="{BB962C8B-B14F-4D97-AF65-F5344CB8AC3E}">
+        <p14:creationId xmlns:p14="http://schemas.microsoft.com/office/powerpoint/2010/main" val="3723051489"/>
+      </p:ext>
+    </p:extLst>
+  </p:cSld>
+  <p:clrMapOvr>
+    <a:masterClrMapping/>
+  </p:clrMapOvr>
+  <p:transition spd="slow" advClick="0">
+    <p:push/>
+  </p:transition>
 </p:sld>
 </file>
 
@@ -8352,13 +9012,13 @@
   <p:clrMapOvr>
     <a:masterClrMapping/>
   </p:clrMapOvr>
-  <mc:AlternateContent xmlns:mc="http://schemas.openxmlformats.org/markup-compatibility/2006">
-    <mc:Choice xmlns:p14="http://schemas.microsoft.com/office/powerpoint/2010/main" Requires="p14">
+  <mc:AlternateContent xmlns:mc="http://schemas.openxmlformats.org/markup-compatibility/2006" xmlns:p14="http://schemas.microsoft.com/office/powerpoint/2010/main">
+    <mc:Choice Requires="p14">
       <p:transition spd="slow" p14:dur="900">
         <p14:warp dir="in"/>
       </p:transition>
     </mc:Choice>
-    <mc:Fallback>
+    <mc:Fallback xmlns="">
       <p:transition spd="slow">
         <p:fade/>
       </p:transition>
@@ -8694,13 +9354,13 @@
   <p:clrMapOvr>
     <a:masterClrMapping/>
   </p:clrMapOvr>
-  <mc:AlternateContent xmlns:mc="http://schemas.openxmlformats.org/markup-compatibility/2006">
-    <mc:Choice xmlns:p14="http://schemas.microsoft.com/office/powerpoint/2010/main" Requires="p14">
+  <mc:AlternateContent xmlns:mc="http://schemas.openxmlformats.org/markup-compatibility/2006" xmlns:p14="http://schemas.microsoft.com/office/powerpoint/2010/main">
+    <mc:Choice Requires="p14">
       <p:transition spd="slow" p14:dur="900">
         <p14:warp dir="in"/>
       </p:transition>
     </mc:Choice>
-    <mc:Fallback>
+    <mc:Fallback xmlns="">
       <p:transition spd="slow">
         <p:fade/>
       </p:transition>
@@ -9080,13 +9740,13 @@
   <p:clrMapOvr>
     <a:masterClrMapping/>
   </p:clrMapOvr>
-  <mc:AlternateContent xmlns:mc="http://schemas.openxmlformats.org/markup-compatibility/2006">
-    <mc:Choice xmlns:p14="http://schemas.microsoft.com/office/powerpoint/2010/main" Requires="p14">
+  <mc:AlternateContent xmlns:mc="http://schemas.openxmlformats.org/markup-compatibility/2006" xmlns:p14="http://schemas.microsoft.com/office/powerpoint/2010/main">
+    <mc:Choice Requires="p14">
       <p:transition spd="slow" p14:dur="900">
         <p14:warp dir="in"/>
       </p:transition>
     </mc:Choice>
-    <mc:Fallback>
+    <mc:Fallback xmlns="">
       <p:transition spd="slow">
         <p:fade/>
       </p:transition>
@@ -10126,6 +10786,7 @@
       <p:sp>
         <p:nvSpPr>
           <p:cNvPr id="5" name="文本框 4">
+            <a:hlinkClick r:id="rId2" action="ppaction://hlinksldjump"/>
             <a:extLst>
               <a:ext uri="{FF2B5EF4-FFF2-40B4-BE49-F238E27FC236}">
                 <a16:creationId xmlns:a16="http://schemas.microsoft.com/office/drawing/2014/main" id="{571C0937-AF43-48C7-BE83-302D68A7004D}"/>
@@ -10165,43 +10826,8 @@
       </p:sp>
       <p:sp>
         <p:nvSpPr>
-          <p:cNvPr id="6" name="文本框 5">
-            <a:extLst>
-              <a:ext uri="{FF2B5EF4-FFF2-40B4-BE49-F238E27FC236}">
-                <a16:creationId xmlns:a16="http://schemas.microsoft.com/office/drawing/2014/main" id="{462A58DD-8E3D-4356-95B0-AF1B9CE3F8C8}"/>
-              </a:ext>
-            </a:extLst>
-          </p:cNvPr>
-          <p:cNvSpPr txBox="1"/>
-          <p:nvPr/>
-        </p:nvSpPr>
-        <p:spPr>
-          <a:xfrm>
-            <a:off x="753878" y="6061927"/>
-            <a:ext cx="873957" cy="246221"/>
-          </a:xfrm>
-          <a:prstGeom prst="rect">
-            <a:avLst/>
-          </a:prstGeom>
-          <a:noFill/>
-        </p:spPr>
-        <p:txBody>
-          <a:bodyPr wrap="none" rtlCol="0">
-            <a:spAutoFit/>
-          </a:bodyPr>
-          <a:lstStyle/>
-          <a:p>
-            <a:r>
-              <a:rPr lang="zh-CN" altLang="en-US" sz="1000" dirty="0"/>
-              <a:t>🔗图片解释</a:t>
-            </a:r>
-          </a:p>
-        </p:txBody>
-      </p:sp>
-      <p:sp>
-        <p:nvSpPr>
           <p:cNvPr id="7" name="文本框 6">
-            <a:hlinkClick r:id="rId2" action="ppaction://hlinksldjump"/>
+            <a:hlinkClick r:id="rId3" action="ppaction://hlinksldjump"/>
             <a:extLst>
               <a:ext uri="{FF2B5EF4-FFF2-40B4-BE49-F238E27FC236}">
                 <a16:creationId xmlns:a16="http://schemas.microsoft.com/office/drawing/2014/main" id="{CA01F72D-6809-4A37-8D9F-6734E060C25F}"/>
@@ -11594,41 +12220,6 @@
       </p:sp>
       <p:sp>
         <p:nvSpPr>
-          <p:cNvPr id="7" name="文本框 6">
-            <a:extLst>
-              <a:ext uri="{FF2B5EF4-FFF2-40B4-BE49-F238E27FC236}">
-                <a16:creationId xmlns:a16="http://schemas.microsoft.com/office/drawing/2014/main" id="{DC534A49-2793-4272-A4A0-D8E0013F27F5}"/>
-              </a:ext>
-            </a:extLst>
-          </p:cNvPr>
-          <p:cNvSpPr txBox="1"/>
-          <p:nvPr/>
-        </p:nvSpPr>
-        <p:spPr>
-          <a:xfrm>
-            <a:off x="596801" y="6067922"/>
-            <a:ext cx="873957" cy="246221"/>
-          </a:xfrm>
-          <a:prstGeom prst="rect">
-            <a:avLst/>
-          </a:prstGeom>
-          <a:noFill/>
-        </p:spPr>
-        <p:txBody>
-          <a:bodyPr wrap="none" rtlCol="0">
-            <a:spAutoFit/>
-          </a:bodyPr>
-          <a:lstStyle/>
-          <a:p>
-            <a:r>
-              <a:rPr lang="zh-CN" altLang="en-US" sz="1000" dirty="0"/>
-              <a:t>🔗图片解释</a:t>
-            </a:r>
-          </a:p>
-        </p:txBody>
-      </p:sp>
-      <p:sp>
-        <p:nvSpPr>
           <p:cNvPr id="8" name="文本框 7">
             <a:hlinkClick r:id="rId3" action="ppaction://hlinksldjump"/>
             <a:extLst>
@@ -11738,115 +12329,42 @@
           </a:p>
         </p:txBody>
       </p:sp>
-      <p:sp>
-        <p:nvSpPr>
-          <p:cNvPr id="3" name="内容占位符 2">
+      <p:pic>
+        <p:nvPicPr>
+          <p:cNvPr id="7" name="内容占位符 6">
             <a:extLst>
               <a:ext uri="{FF2B5EF4-FFF2-40B4-BE49-F238E27FC236}">
-                <a16:creationId xmlns:a16="http://schemas.microsoft.com/office/drawing/2014/main" id="{08B1BFC9-E5F0-4D30-A1B0-EFFF2BC0382E}"/>
+                <a16:creationId xmlns:a16="http://schemas.microsoft.com/office/drawing/2014/main" id="{936CD6E4-8B1F-4F6A-8ABE-D2897BE72D80}"/>
               </a:ext>
             </a:extLst>
           </p:cNvPr>
-          <p:cNvSpPr>
-            <a:spLocks noGrp="1"/>
-          </p:cNvSpPr>
+          <p:cNvPicPr>
+            <a:picLocks noGrp="1" noChangeAspect="1"/>
+          </p:cNvPicPr>
           <p:nvPr>
             <p:ph idx="1"/>
           </p:nvPr>
-        </p:nvSpPr>
+        </p:nvPicPr>
+        <p:blipFill>
+          <a:blip r:embed="rId2"/>
+          <a:stretch>
+            <a:fillRect/>
+          </a:stretch>
+        </p:blipFill>
         <p:spPr>
           <a:xfrm>
-            <a:off x="729090" y="2082645"/>
-            <a:ext cx="8534400" cy="3615267"/>
-          </a:xfrm>
-        </p:spPr>
-        <p:txBody>
-          <a:bodyPr/>
-          <a:lstStyle/>
-          <a:p>
-            <a:endParaRPr lang="zh-CN" altLang="en-US" dirty="0"/>
-          </a:p>
-        </p:txBody>
-      </p:sp>
-      <p:sp>
-        <p:nvSpPr>
-          <p:cNvPr id="4" name="文本框 3">
-            <a:extLst>
-              <a:ext uri="{FF2B5EF4-FFF2-40B4-BE49-F238E27FC236}">
-                <a16:creationId xmlns:a16="http://schemas.microsoft.com/office/drawing/2014/main" id="{8C8E1115-8850-42C7-AB9B-D72E363200CA}"/>
-              </a:ext>
-            </a:extLst>
-          </p:cNvPr>
-          <p:cNvSpPr txBox="1"/>
-          <p:nvPr/>
-        </p:nvSpPr>
-        <p:spPr>
-          <a:xfrm>
-            <a:off x="569538" y="5973392"/>
-            <a:ext cx="1186543" cy="246221"/>
+            <a:off x="4830052" y="1955901"/>
+            <a:ext cx="6232503" cy="3849604"/>
           </a:xfrm>
           <a:prstGeom prst="rect">
             <a:avLst/>
           </a:prstGeom>
-          <a:noFill/>
         </p:spPr>
-        <p:txBody>
-          <a:bodyPr wrap="none" rtlCol="0">
-            <a:spAutoFit/>
-          </a:bodyPr>
-          <a:lstStyle/>
-          <a:p>
-            <a:r>
-              <a:rPr lang="zh-CN" altLang="en-US" sz="1000" dirty="0"/>
-              <a:t>🔗 </a:t>
-            </a:r>
-            <a:r>
-              <a:rPr lang="en-US" altLang="zh-CN" sz="1000" dirty="0"/>
-              <a:t>source code</a:t>
-            </a:r>
-            <a:endParaRPr lang="zh-CN" altLang="en-US" sz="1000" dirty="0"/>
-          </a:p>
-        </p:txBody>
-      </p:sp>
-      <p:sp>
-        <p:nvSpPr>
-          <p:cNvPr id="5" name="文本框 4">
-            <a:extLst>
-              <a:ext uri="{FF2B5EF4-FFF2-40B4-BE49-F238E27FC236}">
-                <a16:creationId xmlns:a16="http://schemas.microsoft.com/office/drawing/2014/main" id="{358ECB43-F1AB-4D50-8347-E16FC266C50A}"/>
-              </a:ext>
-            </a:extLst>
-          </p:cNvPr>
-          <p:cNvSpPr txBox="1"/>
-          <p:nvPr/>
-        </p:nvSpPr>
-        <p:spPr>
-          <a:xfrm>
-            <a:off x="725830" y="6219613"/>
-            <a:ext cx="873957" cy="246221"/>
-          </a:xfrm>
-          <a:prstGeom prst="rect">
-            <a:avLst/>
-          </a:prstGeom>
-          <a:noFill/>
-        </p:spPr>
-        <p:txBody>
-          <a:bodyPr wrap="none" rtlCol="0">
-            <a:spAutoFit/>
-          </a:bodyPr>
-          <a:lstStyle/>
-          <a:p>
-            <a:r>
-              <a:rPr lang="zh-CN" altLang="en-US" sz="1000" dirty="0"/>
-              <a:t>🔗图片解释</a:t>
-            </a:r>
-          </a:p>
-        </p:txBody>
-      </p:sp>
+      </p:pic>
       <p:sp>
         <p:nvSpPr>
           <p:cNvPr id="6" name="文本框 5">
-            <a:hlinkClick r:id="rId2" action="ppaction://hlinksldjump"/>
+            <a:hlinkClick r:id="rId3" action="ppaction://hlinksldjump"/>
             <a:extLst>
               <a:ext uri="{FF2B5EF4-FFF2-40B4-BE49-F238E27FC236}">
                 <a16:creationId xmlns:a16="http://schemas.microsoft.com/office/drawing/2014/main" id="{99545466-4E96-4A24-8AE0-81D67D20016B}"/>
@@ -11875,6 +12393,61 @@
             <a:r>
               <a:rPr lang="zh-CN" altLang="en-US" sz="1000" dirty="0"/>
               <a:t>💡返回上级</a:t>
+            </a:r>
+          </a:p>
+        </p:txBody>
+      </p:sp>
+      <p:sp>
+        <p:nvSpPr>
+          <p:cNvPr id="8" name="文本框 7">
+            <a:extLst>
+              <a:ext uri="{FF2B5EF4-FFF2-40B4-BE49-F238E27FC236}">
+                <a16:creationId xmlns:a16="http://schemas.microsoft.com/office/drawing/2014/main" id="{AE071640-EFA4-4BBF-9C62-99CBE768E4C4}"/>
+              </a:ext>
+            </a:extLst>
+          </p:cNvPr>
+          <p:cNvSpPr txBox="1"/>
+          <p:nvPr/>
+        </p:nvSpPr>
+        <p:spPr>
+          <a:xfrm>
+            <a:off x="725830" y="2047583"/>
+            <a:ext cx="3902268" cy="830997"/>
+          </a:xfrm>
+          <a:prstGeom prst="rect">
+            <a:avLst/>
+          </a:prstGeom>
+          <a:noFill/>
+        </p:spPr>
+        <p:txBody>
+          <a:bodyPr wrap="square" rtlCol="0">
+            <a:spAutoFit/>
+          </a:bodyPr>
+          <a:lstStyle/>
+          <a:p>
+            <a:r>
+              <a:rPr lang="en-US" altLang="zh-CN" sz="2400" dirty="0" err="1"/>
+              <a:t>stl</a:t>
+            </a:r>
+            <a:r>
+              <a:rPr lang="zh-CN" altLang="en-US" sz="2400" dirty="0"/>
+              <a:t>中</a:t>
+            </a:r>
+            <a:r>
+              <a:rPr lang="en-US" altLang="zh-CN" sz="2400" dirty="0"/>
+              <a:t>stack</a:t>
+            </a:r>
+            <a:r>
+              <a:rPr lang="zh-CN" altLang="en-US" sz="2400" dirty="0"/>
+              <a:t>是使用</a:t>
+            </a:r>
+            <a:r>
+              <a:rPr lang="en-US" altLang="zh-CN" sz="2400" dirty="0"/>
+              <a:t>deque</a:t>
+            </a:r>
+            <a:r>
+              <a:rPr lang="zh-CN" altLang="en-US" sz="2400" dirty="0"/>
+              <a:t>来作为缓存区的。</a:t>
             </a:r>
           </a:p>
         </p:txBody>
